--- a/data-raw/press.pptx
+++ b/data-raw/press.pptx
@@ -19,6 +19,8 @@
     <p:sldId id="261" r:id="rId21"/>
     <p:sldId id="262" r:id="rId22"/>
     <p:sldId id="263" r:id="rId23"/>
+    <p:sldId id="264" r:id="rId24"/>
+    <p:sldId id="265" r:id="rId25"/>
   </p:sldIdLst>
   <p:sldSz cx="12192000" cy="6858000"/>
   <p:notesSz cx="6858000" cy="9144000"/>
@@ -413,7 +415,7 @@
           <a:p>
             <a:fld id="{F909BF1F-2205-463C-8314-F001358D3E2A}" type="datetimeFigureOut">
               <a:rPr lang="es-MX" smtClean="0"/>
-              <a:t>31/10/2024</a:t>
+              <a:t>01/11/2024</a:t>
             </a:fld>
             <a:endParaRPr lang="es-MX"/>
           </a:p>
@@ -2497,14 +2499,14 @@
           <a:effectLst/>
           <a:extLst>
             <a:ext uri="{909E8E84-426E-40dd-AFC4-6F175D3DCCD1}">
-              <a14:hiddenFill xmlns="" xmlns:a14="http://schemas.microsoft.com/office/drawing/2010/main">
+              <a14:hiddenFill xmlns:a14="http://schemas.microsoft.com/office/drawing/2010/main" xmlns="">
                 <a:solidFill>
                   <a:schemeClr val="accent1"/>
                 </a:solidFill>
               </a14:hiddenFill>
             </a:ext>
             <a:ext uri="{91240B29-F687-4f45-9708-019B960494DF}">
-              <a14:hiddenLine xmlns="" xmlns:a14="http://schemas.microsoft.com/office/drawing/2010/main" w="9525">
+              <a14:hiddenLine xmlns:a14="http://schemas.microsoft.com/office/drawing/2010/main" xmlns="" w="9525">
                 <a:solidFill>
                   <a:schemeClr val="tx1"/>
                 </a:solidFill>
@@ -2514,7 +2516,7 @@
               </a14:hiddenLine>
             </a:ext>
             <a:ext uri="{AF507438-7753-43e0-B8FC-AC1667EBCBE1}">
-              <a14:hiddenEffects xmlns="" xmlns:a14="http://schemas.microsoft.com/office/drawing/2010/main">
+              <a14:hiddenEffects xmlns:a14="http://schemas.microsoft.com/office/drawing/2010/main" xmlns="">
                 <a:effectLst>
                   <a:outerShdw dist="35921" dir="2700000" algn="ctr" rotWithShape="0">
                     <a:schemeClr val="bg2"/>
@@ -2653,14 +2655,14 @@
           <a:effectLst/>
           <a:extLst>
             <a:ext uri="{909E8E84-426E-40dd-AFC4-6F175D3DCCD1}">
-              <a14:hiddenFill xmlns="" xmlns:a14="http://schemas.microsoft.com/office/drawing/2010/main">
+              <a14:hiddenFill xmlns:a14="http://schemas.microsoft.com/office/drawing/2010/main" xmlns="">
                 <a:solidFill>
                   <a:schemeClr val="accent1"/>
                 </a:solidFill>
               </a14:hiddenFill>
             </a:ext>
             <a:ext uri="{91240B29-F687-4f45-9708-019B960494DF}">
-              <a14:hiddenLine xmlns="" xmlns:a14="http://schemas.microsoft.com/office/drawing/2010/main" w="9525">
+              <a14:hiddenLine xmlns:a14="http://schemas.microsoft.com/office/drawing/2010/main" xmlns="" w="9525">
                 <a:solidFill>
                   <a:schemeClr val="tx1"/>
                 </a:solidFill>
@@ -2670,7 +2672,7 @@
               </a14:hiddenLine>
             </a:ext>
             <a:ext uri="{AF507438-7753-43e0-B8FC-AC1667EBCBE1}">
-              <a14:hiddenEffects xmlns="" xmlns:a14="http://schemas.microsoft.com/office/drawing/2010/main">
+              <a14:hiddenEffects xmlns:a14="http://schemas.microsoft.com/office/drawing/2010/main" xmlns="">
                 <a:effectLst>
                   <a:outerShdw dist="35921" dir="2700000" algn="ctr" rotWithShape="0">
                     <a:schemeClr val="bg2"/>
@@ -3219,14 +3221,14 @@
           <a:effectLst/>
           <a:extLst>
             <a:ext uri="{909E8E84-426E-40dd-AFC4-6F175D3DCCD1}">
-              <a14:hiddenFill xmlns="" xmlns:a14="http://schemas.microsoft.com/office/drawing/2010/main">
+              <a14:hiddenFill xmlns:a14="http://schemas.microsoft.com/office/drawing/2010/main" xmlns="">
                 <a:solidFill>
                   <a:schemeClr val="accent1"/>
                 </a:solidFill>
               </a14:hiddenFill>
             </a:ext>
             <a:ext uri="{91240B29-F687-4f45-9708-019B960494DF}">
-              <a14:hiddenLine xmlns="" xmlns:a14="http://schemas.microsoft.com/office/drawing/2010/main" w="9525">
+              <a14:hiddenLine xmlns:a14="http://schemas.microsoft.com/office/drawing/2010/main" xmlns="" w="9525">
                 <a:solidFill>
                   <a:schemeClr val="tx1"/>
                 </a:solidFill>
@@ -3236,7 +3238,7 @@
               </a14:hiddenLine>
             </a:ext>
             <a:ext uri="{AF507438-7753-43e0-B8FC-AC1667EBCBE1}">
-              <a14:hiddenEffects xmlns="" xmlns:a14="http://schemas.microsoft.com/office/drawing/2010/main">
+              <a14:hiddenEffects xmlns:a14="http://schemas.microsoft.com/office/drawing/2010/main" xmlns="">
                 <a:effectLst>
                   <a:outerShdw dist="35921" dir="2700000" algn="ctr" rotWithShape="0">
                     <a:schemeClr val="bg2"/>
@@ -3671,14 +3673,14 @@
           <a:effectLst/>
           <a:extLst>
             <a:ext uri="{909E8E84-426E-40dd-AFC4-6F175D3DCCD1}">
-              <a14:hiddenFill xmlns="" xmlns:a14="http://schemas.microsoft.com/office/drawing/2010/main">
+              <a14:hiddenFill xmlns:a14="http://schemas.microsoft.com/office/drawing/2010/main" xmlns="">
                 <a:solidFill>
                   <a:schemeClr val="accent1"/>
                 </a:solidFill>
               </a14:hiddenFill>
             </a:ext>
             <a:ext uri="{91240B29-F687-4f45-9708-019B960494DF}">
-              <a14:hiddenLine xmlns="" xmlns:a14="http://schemas.microsoft.com/office/drawing/2010/main" w="9525">
+              <a14:hiddenLine xmlns:a14="http://schemas.microsoft.com/office/drawing/2010/main" xmlns="" w="9525">
                 <a:solidFill>
                   <a:schemeClr val="tx1"/>
                 </a:solidFill>
@@ -3688,7 +3690,7 @@
               </a14:hiddenLine>
             </a:ext>
             <a:ext uri="{AF507438-7753-43e0-B8FC-AC1667EBCBE1}">
-              <a14:hiddenEffects xmlns="" xmlns:a14="http://schemas.microsoft.com/office/drawing/2010/main">
+              <a14:hiddenEffects xmlns:a14="http://schemas.microsoft.com/office/drawing/2010/main" xmlns="">
                 <a:effectLst>
                   <a:outerShdw dist="35921" dir="2700000" algn="ctr" rotWithShape="0">
                     <a:schemeClr val="bg2"/>
@@ -4060,14 +4062,14 @@
           <a:effectLst/>
           <a:extLst>
             <a:ext uri="{909E8E84-426E-40dd-AFC4-6F175D3DCCD1}">
-              <a14:hiddenFill xmlns="" xmlns:a14="http://schemas.microsoft.com/office/drawing/2010/main">
+              <a14:hiddenFill xmlns:a14="http://schemas.microsoft.com/office/drawing/2010/main" xmlns="">
                 <a:solidFill>
                   <a:schemeClr val="accent1"/>
                 </a:solidFill>
               </a14:hiddenFill>
             </a:ext>
             <a:ext uri="{91240B29-F687-4f45-9708-019B960494DF}">
-              <a14:hiddenLine xmlns="" xmlns:a14="http://schemas.microsoft.com/office/drawing/2010/main" w="9525">
+              <a14:hiddenLine xmlns:a14="http://schemas.microsoft.com/office/drawing/2010/main" xmlns="" w="9525">
                 <a:solidFill>
                   <a:schemeClr val="tx1"/>
                 </a:solidFill>
@@ -4077,7 +4079,7 @@
               </a14:hiddenLine>
             </a:ext>
             <a:ext uri="{AF507438-7753-43e0-B8FC-AC1667EBCBE1}">
-              <a14:hiddenEffects xmlns="" xmlns:a14="http://schemas.microsoft.com/office/drawing/2010/main">
+              <a14:hiddenEffects xmlns:a14="http://schemas.microsoft.com/office/drawing/2010/main" xmlns="">
                 <a:effectLst>
                   <a:outerShdw dist="35921" dir="2700000" algn="ctr" rotWithShape="0">
                     <a:schemeClr val="bg2"/>
@@ -4482,14 +4484,14 @@
           <a:effectLst/>
           <a:extLst>
             <a:ext uri="{909E8E84-426E-40dd-AFC4-6F175D3DCCD1}">
-              <a14:hiddenFill xmlns="" xmlns:a14="http://schemas.microsoft.com/office/drawing/2010/main">
+              <a14:hiddenFill xmlns:a14="http://schemas.microsoft.com/office/drawing/2010/main" xmlns="">
                 <a:solidFill>
                   <a:schemeClr val="accent1"/>
                 </a:solidFill>
               </a14:hiddenFill>
             </a:ext>
             <a:ext uri="{91240B29-F687-4f45-9708-019B960494DF}">
-              <a14:hiddenLine xmlns="" xmlns:a14="http://schemas.microsoft.com/office/drawing/2010/main" w="9525">
+              <a14:hiddenLine xmlns:a14="http://schemas.microsoft.com/office/drawing/2010/main" xmlns="" w="9525">
                 <a:solidFill>
                   <a:schemeClr val="tx1"/>
                 </a:solidFill>
@@ -4499,7 +4501,7 @@
               </a14:hiddenLine>
             </a:ext>
             <a:ext uri="{AF507438-7753-43e0-B8FC-AC1667EBCBE1}">
-              <a14:hiddenEffects xmlns="" xmlns:a14="http://schemas.microsoft.com/office/drawing/2010/main">
+              <a14:hiddenEffects xmlns:a14="http://schemas.microsoft.com/office/drawing/2010/main" xmlns="">
                 <a:effectLst>
                   <a:outerShdw dist="35921" dir="2700000" algn="ctr" rotWithShape="0">
                     <a:schemeClr val="bg2"/>
@@ -4896,14 +4898,14 @@
           <a:effectLst/>
           <a:extLst>
             <a:ext uri="{909E8E84-426E-40dd-AFC4-6F175D3DCCD1}">
-              <a14:hiddenFill xmlns="" xmlns:a14="http://schemas.microsoft.com/office/drawing/2010/main">
+              <a14:hiddenFill xmlns:a14="http://schemas.microsoft.com/office/drawing/2010/main" xmlns="">
                 <a:solidFill>
                   <a:schemeClr val="accent1"/>
                 </a:solidFill>
               </a14:hiddenFill>
             </a:ext>
             <a:ext uri="{91240B29-F687-4f45-9708-019B960494DF}">
-              <a14:hiddenLine xmlns="" xmlns:a14="http://schemas.microsoft.com/office/drawing/2010/main" w="9525">
+              <a14:hiddenLine xmlns:a14="http://schemas.microsoft.com/office/drawing/2010/main" xmlns="" w="9525">
                 <a:solidFill>
                   <a:schemeClr val="tx1"/>
                 </a:solidFill>
@@ -4913,7 +4915,7 @@
               </a14:hiddenLine>
             </a:ext>
             <a:ext uri="{AF507438-7753-43e0-B8FC-AC1667EBCBE1}">
-              <a14:hiddenEffects xmlns="" xmlns:a14="http://schemas.microsoft.com/office/drawing/2010/main">
+              <a14:hiddenEffects xmlns:a14="http://schemas.microsoft.com/office/drawing/2010/main" xmlns="">
                 <a:effectLst>
                   <a:outerShdw dist="35921" dir="2700000" algn="ctr" rotWithShape="0">
                     <a:schemeClr val="bg2"/>
@@ -6363,14 +6365,14 @@
           <a:effectLst/>
           <a:extLst>
             <a:ext uri="{909E8E84-426E-40dd-AFC4-6F175D3DCCD1}">
-              <a14:hiddenFill xmlns="" xmlns:a14="http://schemas.microsoft.com/office/drawing/2010/main">
+              <a14:hiddenFill xmlns:a14="http://schemas.microsoft.com/office/drawing/2010/main" xmlns="">
                 <a:solidFill>
                   <a:schemeClr val="accent1"/>
                 </a:solidFill>
               </a14:hiddenFill>
             </a:ext>
             <a:ext uri="{91240B29-F687-4f45-9708-019B960494DF}">
-              <a14:hiddenLine xmlns="" xmlns:a14="http://schemas.microsoft.com/office/drawing/2010/main" w="9525">
+              <a14:hiddenLine xmlns:a14="http://schemas.microsoft.com/office/drawing/2010/main" xmlns="" w="9525">
                 <a:solidFill>
                   <a:schemeClr val="tx1"/>
                 </a:solidFill>
@@ -6380,7 +6382,7 @@
               </a14:hiddenLine>
             </a:ext>
             <a:ext uri="{AF507438-7753-43e0-B8FC-AC1667EBCBE1}">
-              <a14:hiddenEffects xmlns="" xmlns:a14="http://schemas.microsoft.com/office/drawing/2010/main">
+              <a14:hiddenEffects xmlns:a14="http://schemas.microsoft.com/office/drawing/2010/main" xmlns="">
                 <a:effectLst>
                   <a:outerShdw dist="35921" dir="2700000" algn="ctr" rotWithShape="0">
                     <a:schemeClr val="bg2"/>
@@ -8238,6 +8240,84 @@
 </p:sld>
 </file>
 
+<file path=ppt/slides/slide10.xml><?xml version="1.0" encoding="utf-8"?>
+<p:sld xmlns:a="http://schemas.openxmlformats.org/drawingml/2006/main" xmlns:r="http://schemas.openxmlformats.org/officeDocument/2006/relationships" xmlns:p="http://schemas.openxmlformats.org/presentationml/2006/main">
+  <p:cSld>
+    <p:spTree>
+      <p:nvGrpSpPr>
+        <p:cNvPr id="1" name=""/>
+        <p:cNvGrpSpPr/>
+        <p:nvPr/>
+      </p:nvGrpSpPr>
+      <p:grpSpPr>
+        <a:xfrm>
+          <a:off x="0" y="0"/>
+          <a:ext cx="0" cy="0"/>
+          <a:chOff x="0" y="0"/>
+          <a:chExt cx="0" cy="0"/>
+        </a:xfrm>
+      </p:grpSpPr>
+      <p:sp>
+        <p:nvSpPr>
+          <p:cNvPr id="2" name="titulo"/>
+          <p:cNvSpPr>
+            <a:spLocks noGrp="1"/>
+          </p:cNvSpPr>
+          <p:nvPr>
+            <p:ph type="title"/>
+          </p:nvPr>
+        </p:nvSpPr>
+        <p:spPr>
+          <a:xfrm>
+            <a:off x="419923" y="365126"/>
+            <a:ext cx="10471234" cy="892174"/>
+          </a:xfrm>
+        </p:spPr>
+        <p:txBody>
+          <a:bodyPr/>
+          <a:lstStyle/>
+          <a:p>
+            <a:r>
+              <a:rPr/>
+              <a:t>Horarios de apertura y cierre promedios</a:t>
+            </a:r>
+          </a:p>
+        </p:txBody>
+      </p:sp>
+      <p:pic>
+        <p:nvPicPr>
+          <p:cNvPr id="3" name="imagen_principal" descr=""/>
+          <p:cNvPicPr>
+            <a:picLocks noGrp="1"/>
+          </p:cNvPicPr>
+          <p:nvPr>
+            <p:ph type="pic" idx="2"/>
+          </p:nvPr>
+        </p:nvPicPr>
+        <p:blipFill>
+          <a:blip cstate="print" r:embed="rId2"/>
+          <a:stretch>
+            <a:fillRect/>
+          </a:stretch>
+        </p:blipFill>
+        <p:spPr>
+          <a:xfrm>
+            <a:off x="403814" y="1289957"/>
+            <a:ext cx="10487344" cy="5192486"/>
+          </a:xfrm>
+          <a:prstGeom prst="rect">
+            <a:avLst/>
+          </a:prstGeom>
+        </p:spPr>
+      </p:pic>
+    </p:spTree>
+  </p:cSld>
+  <p:clrMapOvr>
+    <a:masterClrMapping/>
+  </p:clrMapOvr>
+</p:sld>
+</file>
+
 <file path=ppt/slides/slide2.xml><?xml version="1.0" encoding="utf-8"?>
 <p:sld xmlns:a="http://schemas.openxmlformats.org/drawingml/2006/main" xmlns:r="http://schemas.openxmlformats.org/officeDocument/2006/relationships" xmlns:p="http://schemas.openxmlformats.org/presentationml/2006/main">
   <p:cSld>
@@ -8667,7 +8747,7 @@
           <a:p>
             <a:r>
               <a:rPr/>
-              <a:t>Establecimientos con servicio en línea</a:t>
+              <a:t>Establecimientos con promociones especiales</a:t>
             </a:r>
           </a:p>
         </p:txBody>
@@ -8771,6 +8851,110 @@
           <a:p>
             <a:r>
               <a:rPr/>
+              <a:t>Establecimientos con servicio en línea</a:t>
+            </a:r>
+          </a:p>
+        </p:txBody>
+      </p:sp>
+      <p:pic>
+        <p:nvPicPr>
+          <p:cNvPr id="3" name="grafica_uno" descr=""/>
+          <p:cNvPicPr>
+            <a:picLocks noGrp="1"/>
+          </p:cNvPicPr>
+          <p:nvPr>
+            <p:ph type="pic" idx="2"/>
+          </p:nvPr>
+        </p:nvPicPr>
+        <p:blipFill>
+          <a:blip cstate="print" r:embed="rId2"/>
+          <a:stretch>
+            <a:fillRect/>
+          </a:stretch>
+        </p:blipFill>
+        <p:spPr>
+          <a:xfrm>
+            <a:off x="419923" y="1124611"/>
+            <a:ext cx="5115464" cy="5374160"/>
+          </a:xfrm>
+          <a:prstGeom prst="rect">
+            <a:avLst/>
+          </a:prstGeom>
+        </p:spPr>
+      </p:pic>
+      <p:pic>
+        <p:nvPicPr>
+          <p:cNvPr id="4" name="grafica_dos" descr=""/>
+          <p:cNvPicPr>
+            <a:picLocks noGrp="1"/>
+          </p:cNvPicPr>
+          <p:nvPr>
+            <p:ph type="pic" idx="10"/>
+          </p:nvPr>
+        </p:nvPicPr>
+        <p:blipFill>
+          <a:blip cstate="print" r:embed="rId3"/>
+          <a:stretch>
+            <a:fillRect/>
+          </a:stretch>
+        </p:blipFill>
+        <p:spPr>
+          <a:xfrm>
+            <a:off x="5764809" y="1130054"/>
+            <a:ext cx="5115464" cy="5374160"/>
+          </a:xfrm>
+          <a:prstGeom prst="rect">
+            <a:avLst/>
+          </a:prstGeom>
+        </p:spPr>
+      </p:pic>
+    </p:spTree>
+  </p:cSld>
+  <p:clrMapOvr>
+    <a:masterClrMapping/>
+  </p:clrMapOvr>
+</p:sld>
+</file>
+
+<file path=ppt/slides/slide8.xml><?xml version="1.0" encoding="utf-8"?>
+<p:sld xmlns:a="http://schemas.openxmlformats.org/drawingml/2006/main" xmlns:r="http://schemas.openxmlformats.org/officeDocument/2006/relationships" xmlns:p="http://schemas.openxmlformats.org/presentationml/2006/main">
+  <p:cSld>
+    <p:spTree>
+      <p:nvGrpSpPr>
+        <p:cNvPr id="1" name=""/>
+        <p:cNvGrpSpPr/>
+        <p:nvPr/>
+      </p:nvGrpSpPr>
+      <p:grpSpPr>
+        <a:xfrm>
+          <a:off x="0" y="0"/>
+          <a:ext cx="0" cy="0"/>
+          <a:chOff x="0" y="0"/>
+          <a:chExt cx="0" cy="0"/>
+        </a:xfrm>
+      </p:grpSpPr>
+      <p:sp>
+        <p:nvSpPr>
+          <p:cNvPr id="2" name="titulo"/>
+          <p:cNvSpPr>
+            <a:spLocks noGrp="1"/>
+          </p:cNvSpPr>
+          <p:nvPr>
+            <p:ph type="title"/>
+          </p:nvPr>
+        </p:nvSpPr>
+        <p:spPr>
+          <a:xfrm>
+            <a:off x="419923" y="365126"/>
+            <a:ext cx="10471234" cy="892174"/>
+          </a:xfrm>
+        </p:spPr>
+        <p:txBody>
+          <a:bodyPr/>
+          <a:lstStyle/>
+          <a:p>
+            <a:r>
+              <a:rPr/>
               <a:t>Establecimientos con áreas al aire libre o terrazas</a:t>
             </a:r>
           </a:p>
@@ -8836,7 +9020,7 @@
 </p:sld>
 </file>
 
-<file path=ppt/slides/slide8.xml><?xml version="1.0" encoding="utf-8"?>
+<file path=ppt/slides/slide9.xml><?xml version="1.0" encoding="utf-8"?>
 <p:sld xmlns:a="http://schemas.openxmlformats.org/drawingml/2006/main" xmlns:r="http://schemas.openxmlformats.org/officeDocument/2006/relationships" xmlns:p="http://schemas.openxmlformats.org/presentationml/2006/main">
   <p:cSld>
     <p:spTree>
